--- a/sa/文档/2019 软件体系结构（04）：生成器模式.pptx
+++ b/sa/文档/2019 软件体系结构（04）：生成器模式.pptx
@@ -10,14 +10,11 @@
   <p:sldIdLst>
     <p:sldId id="256" r:id="rId3"/>
     <p:sldId id="257" r:id="rId5"/>
-    <p:sldId id="258" r:id="rId6"/>
-    <p:sldId id="259" r:id="rId7"/>
-    <p:sldId id="261" r:id="rId8"/>
   </p:sldIdLst>
   <p:sldSz cx="12192000" cy="6858000"/>
   <p:notesSz cx="6858000" cy="9144000"/>
   <p:custDataLst>
-    <p:tags r:id="rId12"/>
+    <p:tags r:id="rId9"/>
   </p:custDataLst>
   <p:defaultTextStyle>
     <a:defPPr>
@@ -3352,302 +3349,45 @@
           </a:graphicData>
         </a:graphic>
       </p:graphicFrame>
-    </p:spTree>
-    <p:custDataLst>
-      <p:tags r:id="rId3"/>
-    </p:custDataLst>
-  </p:cSld>
-  <p:clrMapOvr>
-    <a:masterClrMapping/>
-  </p:clrMapOvr>
-</p:sld>
-</file>
-
-<file path=ppt/slides/slide3.xml><?xml version="1.0" encoding="utf-8"?>
-<p:sld xmlns:a="http://schemas.openxmlformats.org/drawingml/2006/main" xmlns:r="http://schemas.openxmlformats.org/officeDocument/2006/relationships" xmlns:p="http://schemas.openxmlformats.org/presentationml/2006/main">
-  <p:cSld>
-    <p:spTree>
-      <p:nvGrpSpPr>
-        <p:cNvPr id="1" name=""/>
-        <p:cNvGrpSpPr/>
-        <p:nvPr/>
-      </p:nvGrpSpPr>
-      <p:grpSpPr>
-        <a:xfrm>
-          <a:off x="0" y="0"/>
-          <a:ext cx="0" cy="0"/>
-          <a:chOff x="0" y="0"/>
-          <a:chExt cx="0" cy="0"/>
-        </a:xfrm>
-      </p:grpSpPr>
-      <p:sp>
-        <p:nvSpPr>
-          <p:cNvPr id="2" name="标题 1"/>
-          <p:cNvSpPr>
-            <a:spLocks noGrp="1"/>
-          </p:cNvSpPr>
-          <p:nvPr>
-            <p:ph type="title"/>
-          </p:nvPr>
-        </p:nvSpPr>
-        <p:spPr/>
-        <p:txBody>
-          <a:bodyPr>
-            <a:normAutofit/>
+      <p:sp>
+        <p:nvSpPr>
+          <p:cNvPr id="3" name="文本框 2"/>
+          <p:cNvSpPr txBox="1"/>
+          <p:nvPr/>
+        </p:nvSpPr>
+        <p:spPr>
+          <a:xfrm>
+            <a:off x="5179060" y="1513205"/>
+            <a:ext cx="6812280" cy="368300"/>
+          </a:xfrm>
+          <a:prstGeom prst="rect">
+            <a:avLst/>
+          </a:prstGeom>
+          <a:noFill/>
+        </p:spPr>
+        <p:txBody>
+          <a:bodyPr wrap="none" rtlCol="0" anchor="t">
+            <a:spAutoFit/>
           </a:bodyPr>
-          <a:lstStyle/>
-          <a:p>
-            <a:r>
-              <a:rPr lang="zh-CN" altLang="en-US"/>
-              <a:t>工厂模式：</a:t>
-            </a:r>
+          <a:p>
             <a:r>
               <a:rPr lang="zh-CN" altLang="en-US">
+                <a:solidFill>
+                  <a:srgbClr val="FF0000"/>
+                </a:solidFill>
                 <a:sym typeface="+mn-ea"/>
               </a:rPr>
-              <a:t>一个工厂创建一种类型的产品</a:t>
-            </a:r>
-            <a:endParaRPr lang="zh-CN" altLang="en-US"/>
-          </a:p>
-        </p:txBody>
-      </p:sp>
-      <p:graphicFrame>
-        <p:nvGraphicFramePr>
-          <p:cNvPr id="5" name="对象 4"/>
-          <p:cNvGraphicFramePr/>
-          <p:nvPr/>
-        </p:nvGraphicFramePr>
-        <p:xfrm>
-          <a:off x="752475" y="1377950"/>
-          <a:ext cx="10601325" cy="5187950"/>
-        </p:xfrm>
-        <a:graphic>
-          <a:graphicData uri="http://schemas.openxmlformats.org/presentationml/2006/ole">
-            <mc:AlternateContent xmlns:mc="http://schemas.openxmlformats.org/markup-compatibility/2006">
-              <mc:Choice xmlns:v="urn:schemas-microsoft-com:vml" Requires="v">
-                <p:oleObj spid="_x0000_s6" name="" r:id="rId1" imgW="8474710" imgH="4196715" progId="Visio.Drawing.15">
-                  <p:embed/>
-                </p:oleObj>
-              </mc:Choice>
-              <mc:Fallback>
-                <p:oleObj name="" r:id="rId1" imgW="8474710" imgH="4196715" progId="Visio.Drawing.15">
-                  <p:embed/>
-                  <p:pic>
-                    <p:nvPicPr>
-                      <p:cNvPr id="0" name="图片 5"/>
-                      <p:cNvPicPr/>
-                      <p:nvPr/>
-                    </p:nvPicPr>
-                    <p:blipFill>
-                      <a:blip r:embed="rId2"/>
-                      <a:stretch>
-                        <a:fillRect/>
-                      </a:stretch>
-                    </p:blipFill>
-                    <p:spPr>
-                      <a:xfrm>
-                        <a:off x="752475" y="1377950"/>
-                        <a:ext cx="10601325" cy="5187950"/>
-                      </a:xfrm>
-                      <a:prstGeom prst="rect">
-                        <a:avLst/>
-                      </a:prstGeom>
-                    </p:spPr>
-                  </p:pic>
-                </p:oleObj>
-              </mc:Fallback>
-            </mc:AlternateContent>
-          </a:graphicData>
-        </a:graphic>
-      </p:graphicFrame>
-    </p:spTree>
-    <p:custDataLst>
-      <p:tags r:id="rId3"/>
-    </p:custDataLst>
-  </p:cSld>
-  <p:clrMapOvr>
-    <a:masterClrMapping/>
-  </p:clrMapOvr>
-</p:sld>
-</file>
-
-<file path=ppt/slides/slide4.xml><?xml version="1.0" encoding="utf-8"?>
-<p:sld xmlns:a="http://schemas.openxmlformats.org/drawingml/2006/main" xmlns:r="http://schemas.openxmlformats.org/officeDocument/2006/relationships" xmlns:p="http://schemas.openxmlformats.org/presentationml/2006/main">
-  <p:cSld>
-    <p:spTree>
-      <p:nvGrpSpPr>
-        <p:cNvPr id="1" name=""/>
-        <p:cNvGrpSpPr/>
-        <p:nvPr/>
-      </p:nvGrpSpPr>
-      <p:grpSpPr>
-        <a:xfrm>
-          <a:off x="0" y="0"/>
-          <a:ext cx="0" cy="0"/>
-          <a:chOff x="0" y="0"/>
-          <a:chExt cx="0" cy="0"/>
-        </a:xfrm>
-      </p:grpSpPr>
-      <p:sp>
-        <p:nvSpPr>
-          <p:cNvPr id="2" name="标题 1"/>
-          <p:cNvSpPr>
-            <a:spLocks noGrp="1"/>
-          </p:cNvSpPr>
-          <p:nvPr>
-            <p:ph type="title"/>
-          </p:nvPr>
-        </p:nvSpPr>
-        <p:spPr/>
-        <p:txBody>
-          <a:bodyPr>
-            <a:normAutofit fontScale="90000"/>
-          </a:bodyPr>
-          <a:lstStyle/>
-          <a:p>
-            <a:r>
-              <a:rPr lang="zh-CN" altLang="en-US"/>
-              <a:t>抽象工厂模式：</a:t>
-            </a:r>
-            <a:r>
-              <a:rPr lang="zh-CN" altLang="en-US">
-                <a:sym typeface="+mn-ea"/>
-              </a:rPr>
-              <a:t>一个工厂创建一系列的产品</a:t>
-            </a:r>
-            <a:br>
-              <a:rPr lang="zh-CN" altLang="en-US"/>
-            </a:br>
-            <a:endParaRPr lang="zh-CN" altLang="en-US"/>
-          </a:p>
-        </p:txBody>
-      </p:sp>
-      <p:graphicFrame>
-        <p:nvGraphicFramePr>
-          <p:cNvPr id="25602" name="Object 2"/>
-          <p:cNvGraphicFramePr>
-            <a:graphicFrameLocks noChangeAspect="1"/>
-          </p:cNvGraphicFramePr>
-          <p:nvPr/>
-        </p:nvGraphicFramePr>
-        <p:xfrm>
-          <a:off x="1915160" y="1329690"/>
-          <a:ext cx="8128000" cy="5462270"/>
-        </p:xfrm>
-        <a:graphic>
-          <a:graphicData uri="http://schemas.openxmlformats.org/presentationml/2006/ole">
-            <mc:AlternateContent xmlns:mc="http://schemas.openxmlformats.org/markup-compatibility/2006">
-              <mc:Choice xmlns:v="urn:schemas-microsoft-com:vml" Requires="v">
-                <p:oleObj spid="_x0000_s3087" name="Visio" r:id="rId1" imgW="6650990" imgH="4877435" progId="Visio.Drawing.11">
-                  <p:embed/>
-                </p:oleObj>
-              </mc:Choice>
-              <mc:Fallback>
-                <p:oleObj name="Visio" r:id="rId1" imgW="6650990" imgH="4877435" progId="Visio.Drawing.11">
-                  <p:embed/>
-                  <p:pic>
-                    <p:nvPicPr>
-                      <p:cNvPr id="0" name="图片 3083"/>
-                      <p:cNvPicPr/>
-                      <p:nvPr/>
-                    </p:nvPicPr>
-                    <p:blipFill>
-                      <a:blip r:embed="rId2"/>
-                      <a:stretch>
-                        <a:fillRect/>
-                      </a:stretch>
-                    </p:blipFill>
-                    <p:spPr>
-                      <a:xfrm>
-                        <a:off x="1915160" y="1329690"/>
-                        <a:ext cx="8128000" cy="5462270"/>
-                      </a:xfrm>
-                      <a:prstGeom prst="rect">
-                        <a:avLst/>
-                      </a:prstGeom>
-                      <a:noFill/>
-                      <a:ln w="38100">
-                        <a:noFill/>
-                        <a:miter/>
-                      </a:ln>
-                    </p:spPr>
-                  </p:pic>
-                </p:oleObj>
-              </mc:Fallback>
-            </mc:AlternateContent>
-          </a:graphicData>
-        </a:graphic>
-      </p:graphicFrame>
-    </p:spTree>
-    <p:custDataLst>
-      <p:tags r:id="rId3"/>
-    </p:custDataLst>
-  </p:cSld>
-  <p:clrMapOvr>
-    <a:masterClrMapping/>
-  </p:clrMapOvr>
-</p:sld>
-</file>
-
-<file path=ppt/slides/slide5.xml><?xml version="1.0" encoding="utf-8"?>
-<p:sld xmlns:a="http://schemas.openxmlformats.org/drawingml/2006/main" xmlns:r="http://schemas.openxmlformats.org/officeDocument/2006/relationships" xmlns:p="http://schemas.openxmlformats.org/presentationml/2006/main">
-  <p:cSld>
-    <p:spTree>
-      <p:nvGrpSpPr>
-        <p:cNvPr id="1" name=""/>
-        <p:cNvGrpSpPr/>
-        <p:nvPr/>
-      </p:nvGrpSpPr>
-      <p:grpSpPr/>
-      <p:graphicFrame>
-        <p:nvGraphicFramePr>
-          <p:cNvPr id="4" name="对象 3"/>
-          <p:cNvGraphicFramePr/>
-          <p:nvPr/>
-        </p:nvGraphicFramePr>
-        <p:xfrm>
-          <a:off x="1233170" y="542290"/>
-          <a:ext cx="9725660" cy="5772785"/>
-        </p:xfrm>
-        <a:graphic>
-          <a:graphicData uri="http://schemas.openxmlformats.org/presentationml/2006/ole">
-            <mc:AlternateContent xmlns:mc="http://schemas.openxmlformats.org/markup-compatibility/2006">
-              <mc:Choice xmlns:v="urn:schemas-microsoft-com:vml" Requires="v">
-                <p:oleObj spid="_x0000_s5" name="" r:id="rId1" imgW="8352155" imgH="4963795" progId="Visio.Drawing.15">
-                  <p:embed/>
-                </p:oleObj>
-              </mc:Choice>
-              <mc:Fallback>
-                <p:oleObj name="" r:id="rId1" imgW="8352155" imgH="4963795" progId="Visio.Drawing.15">
-                  <p:embed/>
-                  <p:pic>
-                    <p:nvPicPr>
-                      <p:cNvPr id="0" name="图片 4"/>
-                      <p:cNvPicPr/>
-                      <p:nvPr/>
-                    </p:nvPicPr>
-                    <p:blipFill>
-                      <a:blip r:embed="rId2"/>
-                      <a:stretch>
-                        <a:fillRect/>
-                      </a:stretch>
-                    </p:blipFill>
-                    <p:spPr>
-                      <a:xfrm>
-                        <a:off x="1233170" y="542290"/>
-                        <a:ext cx="9725660" cy="5772785"/>
-                      </a:xfrm>
-                      <a:prstGeom prst="rect">
-                        <a:avLst/>
-                      </a:prstGeom>
-                    </p:spPr>
-                  </p:pic>
-                </p:oleObj>
-              </mc:Fallback>
-            </mc:AlternateContent>
-          </a:graphicData>
-        </a:graphic>
-      </p:graphicFrame>
+              <a:t>可以理解为：不同的生产线组装同一种类属性不一定相同的产品。</a:t>
+            </a:r>
+            <a:endParaRPr lang="zh-CN" altLang="en-US">
+              <a:solidFill>
+                <a:srgbClr val="FF0000"/>
+              </a:solidFill>
+              <a:sym typeface="+mn-ea"/>
+            </a:endParaRPr>
+          </a:p>
+        </p:txBody>
+      </p:sp>
     </p:spTree>
     <p:custDataLst>
       <p:tags r:id="rId3"/>
@@ -3664,20 +3404,6 @@
   <p:tag name="KSO_WM_TAG_VERSION" val="1.0"/>
   <p:tag name="KSO_WM_TEMPLATE_CATEGORY" val="custom"/>
   <p:tag name="KSO_WM_TEMPLATE_INDEX" val="20184553"/>
-</p:tagLst>
-</file>
-
-<file path=ppt/tags/tag10.xml><?xml version="1.0" encoding="utf-8"?>
-<p:tagLst xmlns:p="http://schemas.openxmlformats.org/presentationml/2006/main">
-  <p:tag name="KSO_WM_BEAUTIFY_FLAG" val="#wm#"/>
-  <p:tag name="KSO_WM_TEMPLATE_CATEGORY" val="custom"/>
-  <p:tag name="KSO_WM_TEMPLATE_INDEX" val="20184553"/>
-</p:tagLst>
-</file>
-
-<file path=ppt/tags/tag11.xml><?xml version="1.0" encoding="utf-8"?>
-<p:tagLst xmlns:p="http://schemas.openxmlformats.org/presentationml/2006/main">
-  <p:tag name="KSO_WM_DOC_GUID" val="{a56b53a6-2509-45c5-80ce-3a906f91f248}"/>
 </p:tagLst>
 </file>
 
@@ -3776,17 +3502,7 @@
 
 <file path=ppt/tags/tag8.xml><?xml version="1.0" encoding="utf-8"?>
 <p:tagLst xmlns:p="http://schemas.openxmlformats.org/presentationml/2006/main">
-  <p:tag name="KSO_WM_BEAUTIFY_FLAG" val="#wm#"/>
-  <p:tag name="KSO_WM_TEMPLATE_CATEGORY" val="custom"/>
-  <p:tag name="KSO_WM_TEMPLATE_INDEX" val="20184553"/>
-</p:tagLst>
-</file>
-
-<file path=ppt/tags/tag9.xml><?xml version="1.0" encoding="utf-8"?>
-<p:tagLst xmlns:p="http://schemas.openxmlformats.org/presentationml/2006/main">
-  <p:tag name="KSO_WM_BEAUTIFY_FLAG" val="#wm#"/>
-  <p:tag name="KSO_WM_TEMPLATE_CATEGORY" val="custom"/>
-  <p:tag name="KSO_WM_TEMPLATE_INDEX" val="20184553"/>
+  <p:tag name="KSO_WM_DOC_GUID" val="{a56b53a6-2509-45c5-80ce-3a906f91f248}"/>
 </p:tagLst>
 </file>
 
